--- a/JavaScript/Week13/Week13.pptx
+++ b/JavaScript/Week13/Week13.pptx
@@ -3832,7 +3832,7 @@
             </a:pPr>
             <a:r>
               <a:rPr lang="en-US" dirty="0"/>
-              <a:t>Testing the ENTIRE application flow and ensuring it works ad designed .. from start to finish. It involves a real UI, a real backend database, real services </a:t>
+              <a:t>Testing the ENTIRE application flow and ensuring it works as designed .. from start to finish. It involves a real UI, a real backend database, real services </a:t>
             </a:r>
             <a:r>
               <a:rPr lang="en-US" dirty="0" err="1"/>
@@ -4181,8 +4181,13 @@
             </a:pPr>
             <a:r>
               <a:rPr lang="en-US" dirty="0"/>
-              <a:t>b. git (?)</a:t>
-            </a:r>
+              <a:t>b. </a:t>
+            </a:r>
+            <a:r>
+              <a:rPr lang="en-US"/>
+              <a:t>git (?)  GO AND INSTALL…</a:t>
+            </a:r>
+            <a:endParaRPr lang="en-US" dirty="0"/>
           </a:p>
           <a:p>
             <a:pPr marL="0" indent="0">
@@ -9492,7 +9497,7 @@
             </a:pPr>
             <a:r>
               <a:rPr lang="en-US" dirty="0"/>
-              <a:t>   opens the website, interacts with it in all possible ways and ensure everything is working.</a:t>
+              <a:t>   opens the website, interacts with it in all possible ways and ensure   everything is working.</a:t>
             </a:r>
           </a:p>
           <a:p>
@@ -11071,14 +11076,6 @@
 </file>
 
 <file path=customXml/item1.xml><?xml version="1.0" encoding="utf-8"?>
-<p:properties xmlns:p="http://schemas.microsoft.com/office/2006/metadata/properties" xmlns:xsi="http://www.w3.org/2001/XMLSchema-instance" xmlns:pc="http://schemas.microsoft.com/office/infopath/2007/PartnerControls">
-  <documentManagement>
-    <_activity xmlns="3411811a-9679-404d-9a25-72d18bdd7fe0" xsi:nil="true"/>
-  </documentManagement>
-</p:properties>
-</file>
-
-<file path=customXml/item2.xml><?xml version="1.0" encoding="utf-8"?>
 <?mso-contentType ?>
 <FormTemplates xmlns="http://schemas.microsoft.com/sharepoint/v3/contenttype/forms">
   <Display>DocumentLibraryForm</Display>
@@ -11087,7 +11084,7 @@
 </FormTemplates>
 </file>
 
-<file path=customXml/item3.xml><?xml version="1.0" encoding="utf-8"?>
+<file path=customXml/item2.xml><?xml version="1.0" encoding="utf-8"?>
 <ct:contentTypeSchema xmlns:ct="http://schemas.microsoft.com/office/2006/metadata/contentType" xmlns:ma="http://schemas.microsoft.com/office/2006/metadata/properties/metaAttributes" ct:_="" ma:_="" ma:contentTypeName="Document" ma:contentTypeID="0x010100BBFA29CD42548345BF7AD8289B649807" ma:contentTypeVersion="18" ma:contentTypeDescription="Create a new document." ma:contentTypeScope="" ma:versionID="f0ffc5ce741520f6cb9e6e87bb28d6b3">
   <xsd:schema xmlns:xsd="http://www.w3.org/2001/XMLSchema" xmlns:xs="http://www.w3.org/2001/XMLSchema" xmlns:p="http://schemas.microsoft.com/office/2006/metadata/properties" xmlns:ns3="044ca11b-8123-43f4-bb6d-87b29a109dcd" xmlns:ns4="3411811a-9679-404d-9a25-72d18bdd7fe0" targetNamespace="http://schemas.microsoft.com/office/2006/metadata/properties" ma:root="true" ma:fieldsID="2a5393160e2f31b3098ec9594008d65f" ns3:_="" ns4:_="">
     <xsd:import namespace="044ca11b-8123-43f4-bb6d-87b29a109dcd"/>
@@ -11340,24 +11337,15 @@
 </ct:contentTypeSchema>
 </file>
 
-<file path=customXml/itemProps1.xml><?xml version="1.0" encoding="utf-8"?>
-<ds:datastoreItem xmlns:ds="http://schemas.openxmlformats.org/officeDocument/2006/customXml" ds:itemID="{80CD16DC-3AB8-44D2-966A-AF0644008F4E}">
-  <ds:schemaRefs>
-    <ds:schemaRef ds:uri="http://schemas.microsoft.com/office/2006/documentManagement/types"/>
-    <ds:schemaRef ds:uri="http://www.w3.org/XML/1998/namespace"/>
-    <ds:schemaRef ds:uri="044ca11b-8123-43f4-bb6d-87b29a109dcd"/>
-    <ds:schemaRef ds:uri="http://schemas.microsoft.com/office/2006/metadata/properties"/>
-    <ds:schemaRef ds:uri="http://schemas.openxmlformats.org/package/2006/metadata/core-properties"/>
-    <ds:schemaRef ds:uri="http://purl.org/dc/dcmitype/"/>
-    <ds:schemaRef ds:uri="http://purl.org/dc/elements/1.1/"/>
-    <ds:schemaRef ds:uri="http://purl.org/dc/terms/"/>
-    <ds:schemaRef ds:uri="http://schemas.microsoft.com/office/infopath/2007/PartnerControls"/>
-    <ds:schemaRef ds:uri="3411811a-9679-404d-9a25-72d18bdd7fe0"/>
-  </ds:schemaRefs>
-</ds:datastoreItem>
+<file path=customXml/item3.xml><?xml version="1.0" encoding="utf-8"?>
+<p:properties xmlns:p="http://schemas.microsoft.com/office/2006/metadata/properties" xmlns:xsi="http://www.w3.org/2001/XMLSchema-instance" xmlns:pc="http://schemas.microsoft.com/office/infopath/2007/PartnerControls">
+  <documentManagement>
+    <_activity xmlns="3411811a-9679-404d-9a25-72d18bdd7fe0" xsi:nil="true"/>
+  </documentManagement>
+</p:properties>
 </file>
 
-<file path=customXml/itemProps2.xml><?xml version="1.0" encoding="utf-8"?>
+<file path=customXml/itemProps1.xml><?xml version="1.0" encoding="utf-8"?>
 <ds:datastoreItem xmlns:ds="http://schemas.openxmlformats.org/officeDocument/2006/customXml" ds:itemID="{D6ECFDA5-7D59-48AB-8F8A-5B77C3955619}">
   <ds:schemaRefs>
     <ds:schemaRef ds:uri="http://schemas.microsoft.com/sharepoint/v3/contenttype/forms"/>
@@ -11365,7 +11353,7 @@
 </ds:datastoreItem>
 </file>
 
-<file path=customXml/itemProps3.xml><?xml version="1.0" encoding="utf-8"?>
+<file path=customXml/itemProps2.xml><?xml version="1.0" encoding="utf-8"?>
 <ds:datastoreItem xmlns:ds="http://schemas.openxmlformats.org/officeDocument/2006/customXml" ds:itemID="{A17F18D6-5B4A-4730-A4EA-C353BA3651C8}">
   <ds:schemaRefs>
     <ds:schemaRef ds:uri="http://schemas.microsoft.com/office/2006/metadata/contentType"/>
@@ -11382,4 +11370,21 @@
     <ds:schemaRef ds:uri="http://schemas.microsoft.com/internal/obd"/>
   </ds:schemaRefs>
 </ds:datastoreItem>
+</file>
+
+<file path=customXml/itemProps3.xml><?xml version="1.0" encoding="utf-8"?>
+<ds:datastoreItem xmlns:ds="http://schemas.openxmlformats.org/officeDocument/2006/customXml" ds:itemID="{80CD16DC-3AB8-44D2-966A-AF0644008F4E}">
+  <ds:schemaRefs>
+    <ds:schemaRef ds:uri="http://schemas.microsoft.com/office/2006/documentManagement/types"/>
+    <ds:schemaRef ds:uri="http://www.w3.org/XML/1998/namespace"/>
+    <ds:schemaRef ds:uri="044ca11b-8123-43f4-bb6d-87b29a109dcd"/>
+    <ds:schemaRef ds:uri="http://schemas.microsoft.com/office/2006/metadata/properties"/>
+    <ds:schemaRef ds:uri="http://schemas.openxmlformats.org/package/2006/metadata/core-properties"/>
+    <ds:schemaRef ds:uri="http://purl.org/dc/dcmitype/"/>
+    <ds:schemaRef ds:uri="http://purl.org/dc/elements/1.1/"/>
+    <ds:schemaRef ds:uri="http://purl.org/dc/terms/"/>
+    <ds:schemaRef ds:uri="http://schemas.microsoft.com/office/infopath/2007/PartnerControls"/>
+    <ds:schemaRef ds:uri="3411811a-9679-404d-9a25-72d18bdd7fe0"/>
+  </ds:schemaRefs>
+</ds:datastoreItem>
 </file>
--- a/JavaScript/Week13/Week13.pptx
+++ b/JavaScript/Week13/Week13.pptx
@@ -22,10 +22,10 @@
     <p:sldId id="305" r:id="rId19"/>
     <p:sldId id="306" r:id="rId20"/>
     <p:sldId id="307" r:id="rId21"/>
-    <p:sldId id="308" r:id="rId22"/>
-    <p:sldId id="309" r:id="rId23"/>
-    <p:sldId id="310" r:id="rId24"/>
-    <p:sldId id="257" r:id="rId25"/>
+    <p:sldId id="309" r:id="rId22"/>
+    <p:sldId id="310" r:id="rId23"/>
+    <p:sldId id="257" r:id="rId24"/>
+    <p:sldId id="308" r:id="rId25"/>
     <p:sldId id="258" r:id="rId26"/>
     <p:sldId id="259" r:id="rId27"/>
     <p:sldId id="260" r:id="rId28"/>
@@ -313,7 +313,7 @@
           <a:p>
             <a:fld id="{2395C5C9-164C-46B3-A87E-7660D39D3106}" type="datetime2">
               <a:rPr lang="en-US" smtClean="0"/>
-              <a:t>Tuesday, July 23, 2024</a:t>
+              <a:t>Wednesday, July 24, 2024</a:t>
             </a:fld>
             <a:endParaRPr lang="en-US" dirty="0"/>
           </a:p>
@@ -516,7 +516,7 @@
           <a:p>
             <a:fld id="{5B75179A-1E2B-41AB-B400-4F1B4022FAEE}" type="datetime2">
               <a:rPr lang="en-US" smtClean="0"/>
-              <a:t>Tuesday, July 23, 2024</a:t>
+              <a:t>Wednesday, July 24, 2024</a:t>
             </a:fld>
             <a:endParaRPr lang="en-US"/>
           </a:p>
@@ -727,7 +727,7 @@
           <a:p>
             <a:fld id="{05681D0F-6595-4F14-8EF3-954CD87C797B}" type="datetime2">
               <a:rPr lang="en-US" smtClean="0"/>
-              <a:t>Tuesday, July 23, 2024</a:t>
+              <a:t>Wednesday, July 24, 2024</a:t>
             </a:fld>
             <a:endParaRPr lang="en-US"/>
           </a:p>
@@ -928,7 +928,7 @@
           <a:p>
             <a:fld id="{4DDCFF8A-AAF8-4A12-8A91-9CA0EAF6CBB9}" type="datetime2">
               <a:rPr lang="en-US" smtClean="0"/>
-              <a:t>Tuesday, July 23, 2024</a:t>
+              <a:t>Wednesday, July 24, 2024</a:t>
             </a:fld>
             <a:endParaRPr lang="en-US" dirty="0"/>
           </a:p>
@@ -1208,7 +1208,7 @@
           <a:p>
             <a:fld id="{ABCC25C3-021A-4B0B-8F70-0C181FE1CF45}" type="datetime2">
               <a:rPr lang="en-US" smtClean="0"/>
-              <a:t>Tuesday, July 23, 2024</a:t>
+              <a:t>Wednesday, July 24, 2024</a:t>
             </a:fld>
             <a:endParaRPr lang="en-US"/>
           </a:p>
@@ -1478,7 +1478,7 @@
           <a:p>
             <a:fld id="{0C23D88D-8CEC-4ED9-A53B-5596187D9A16}" type="datetime2">
               <a:rPr lang="en-US" smtClean="0"/>
-              <a:t>Tuesday, July 23, 2024</a:t>
+              <a:t>Wednesday, July 24, 2024</a:t>
             </a:fld>
             <a:endParaRPr lang="en-US"/>
           </a:p>
@@ -1893,7 +1893,7 @@
           <a:p>
             <a:fld id="{D2CCD382-DFDA-4722-A27A-59C21AD112F2}" type="datetime2">
               <a:rPr lang="en-US" smtClean="0"/>
-              <a:t>Tuesday, July 23, 2024</a:t>
+              <a:t>Wednesday, July 24, 2024</a:t>
             </a:fld>
             <a:endParaRPr lang="en-US"/>
           </a:p>
@@ -2037,7 +2037,7 @@
           <a:p>
             <a:fld id="{22F2A30D-1C09-413F-AAB1-38F366000715}" type="datetime2">
               <a:rPr lang="en-US" smtClean="0"/>
-              <a:t>Tuesday, July 23, 2024</a:t>
+              <a:t>Wednesday, July 24, 2024</a:t>
             </a:fld>
             <a:endParaRPr lang="en-US"/>
           </a:p>
@@ -2153,7 +2153,7 @@
           <a:p>
             <a:fld id="{6DB82B9C-D65E-4F64-95C3-B10F3B00F0D9}" type="datetime2">
               <a:rPr lang="en-US" smtClean="0"/>
-              <a:t>Tuesday, July 23, 2024</a:t>
+              <a:t>Wednesday, July 24, 2024</a:t>
             </a:fld>
             <a:endParaRPr lang="en-US"/>
           </a:p>
@@ -2467,7 +2467,7 @@
           <a:p>
             <a:fld id="{B7F5FDCC-6AAC-4A08-B9E0-3793AB5E64C3}" type="datetime2">
               <a:rPr lang="en-US" smtClean="0"/>
-              <a:t>Tuesday, July 23, 2024</a:t>
+              <a:t>Wednesday, July 24, 2024</a:t>
             </a:fld>
             <a:endParaRPr lang="en-US"/>
           </a:p>
@@ -2758,7 +2758,7 @@
           <a:p>
             <a:fld id="{349FE94D-439C-40F1-900E-BC07940E3988}" type="datetime2">
               <a:rPr lang="en-US" smtClean="0"/>
-              <a:t>Tuesday, July 23, 2024</a:t>
+              <a:t>Wednesday, July 24, 2024</a:t>
             </a:fld>
             <a:endParaRPr lang="en-US"/>
           </a:p>
@@ -3002,7 +3002,7 @@
           <a:p>
             <a:fld id="{8DEA2CF1-0EB2-4673-802D-3371233E4A77}" type="datetime2">
               <a:rPr lang="en-US" smtClean="0"/>
-              <a:t>Tuesday, July 23, 2024</a:t>
+              <a:t>Wednesday, July 24, 2024</a:t>
             </a:fld>
             <a:endParaRPr lang="en-US" dirty="0"/>
           </a:p>
@@ -4181,13 +4181,8 @@
             </a:pPr>
             <a:r>
               <a:rPr lang="en-US" dirty="0"/>
-              <a:t>b. </a:t>
-            </a:r>
-            <a:r>
-              <a:rPr lang="en-US"/>
-              <a:t>git (?)  GO AND INSTALL…</a:t>
-            </a:r>
-            <a:endParaRPr lang="en-US" dirty="0"/>
+              <a:t>b. git (?)  GO AND INSTALL…</a:t>
+            </a:r>
           </a:p>
           <a:p>
             <a:pPr marL="0" indent="0">
@@ -4688,7 +4683,7 @@
           <p:cNvPr id="2" name="Title 1">
             <a:extLst>
               <a:ext uri="{FF2B5EF4-FFF2-40B4-BE49-F238E27FC236}">
-                <a16:creationId xmlns:a16="http://schemas.microsoft.com/office/drawing/2014/main" id="{CDBA2D44-6EEF-212A-8A02-596A21C07172}"/>
+                <a16:creationId xmlns:a16="http://schemas.microsoft.com/office/drawing/2014/main" id="{1AD19D4E-19BB-898F-2F0E-52CBD3653CF6}"/>
               </a:ext>
             </a:extLst>
           </p:cNvPr>
@@ -4706,7 +4701,7 @@
           <a:p>
             <a:r>
               <a:rPr lang="en-US" dirty="0"/>
-              <a:t>Assertions</a:t>
+              <a:t>What to Test?</a:t>
             </a:r>
           </a:p>
         </p:txBody>
@@ -4716,7 +4711,7 @@
           <p:cNvPr id="3" name="Content Placeholder 2">
             <a:extLst>
               <a:ext uri="{FF2B5EF4-FFF2-40B4-BE49-F238E27FC236}">
-                <a16:creationId xmlns:a16="http://schemas.microsoft.com/office/drawing/2014/main" id="{DDFC7244-40D4-F5DD-6A45-7ECF0BE35734}"/>
+                <a16:creationId xmlns:a16="http://schemas.microsoft.com/office/drawing/2014/main" id="{12FB0DB4-3ACB-4C0B-7A7A-355B03F30EFA}"/>
               </a:ext>
             </a:extLst>
           </p:cNvPr>
@@ -4729,80 +4724,30 @@
         </p:nvSpPr>
         <p:spPr/>
         <p:txBody>
-          <a:bodyPr>
-            <a:normAutofit/>
-          </a:bodyPr>
-          <a:lstStyle/>
-          <a:p>
-            <a:pPr marL="0" indent="0">
-              <a:buNone/>
-            </a:pPr>
-            <a:r>
-              <a:rPr lang="en-US" dirty="0"/>
-              <a:t>When writing tests, we often need to check that values meet certain </a:t>
-            </a:r>
-            <a:r>
-              <a:rPr lang="en-US" dirty="0" err="1"/>
-              <a:t>conditions..assertions</a:t>
-            </a:r>
-            <a:r>
-              <a:rPr lang="en-US" dirty="0"/>
-              <a:t> decide if a test passes or fails..</a:t>
-            </a:r>
-          </a:p>
-          <a:p>
-            <a:pPr marL="0" indent="0">
-              <a:buNone/>
-            </a:pPr>
-            <a:endParaRPr lang="en-US" dirty="0"/>
-          </a:p>
-          <a:p>
-            <a:pPr marL="0" indent="0">
-              <a:buNone/>
-            </a:pPr>
-            <a:r>
-              <a:rPr lang="en-US" dirty="0"/>
-              <a:t> expect()... </a:t>
-            </a:r>
-            <a:r>
-              <a:rPr lang="en-US" dirty="0" err="1"/>
-              <a:t>Asertion</a:t>
-            </a:r>
-            <a:r>
-              <a:rPr lang="en-US" dirty="0"/>
-              <a:t>:</a:t>
-            </a:r>
-          </a:p>
-          <a:p>
-            <a:pPr marL="0" indent="0">
-              <a:buNone/>
-            </a:pPr>
-            <a:r>
-              <a:rPr lang="en-US" dirty="0"/>
-              <a:t>            Matcher functions: the functions used to implement the assertion..</a:t>
-            </a:r>
-          </a:p>
-          <a:p>
-            <a:pPr marL="0" indent="0">
-              <a:buNone/>
-            </a:pPr>
-            <a:endParaRPr lang="en-US" dirty="0"/>
-          </a:p>
-          <a:p>
-            <a:pPr marL="0" indent="0">
-              <a:buNone/>
-            </a:pPr>
-            <a:r>
-              <a:rPr lang="en-US" dirty="0"/>
-              <a:t> expect("hello").</a:t>
-            </a:r>
-            <a:r>
-              <a:rPr lang="en-US" dirty="0" err="1"/>
-              <a:t>toBeInTheDocument</a:t>
-            </a:r>
-            <a:r>
-              <a:rPr lang="en-US" dirty="0"/>
-              <a:t>(); //pass if document contains string "hello" and fails otherwise!</a:t>
+          <a:bodyPr/>
+          <a:lstStyle/>
+          <a:p>
+            <a:r>
+              <a:rPr lang="en-US" dirty="0"/>
+              <a:t>Test component renders</a:t>
+            </a:r>
+          </a:p>
+          <a:p>
+            <a:r>
+              <a:rPr lang="en-US" dirty="0"/>
+              <a:t>Test component renders with props</a:t>
+            </a:r>
+          </a:p>
+          <a:p>
+            <a:r>
+              <a:rPr lang="en-US" dirty="0"/>
+              <a:t>Test component renders in different states</a:t>
+            </a:r>
+          </a:p>
+          <a:p>
+            <a:r>
+              <a:rPr lang="en-US" dirty="0"/>
+              <a:t>Test component reacts to events..</a:t>
             </a:r>
           </a:p>
         </p:txBody>
@@ -4810,7 +4755,7 @@
     </p:spTree>
     <p:extLst>
       <p:ext uri="{BB962C8B-B14F-4D97-AF65-F5344CB8AC3E}">
-        <p14:creationId xmlns:p14="http://schemas.microsoft.com/office/powerpoint/2010/main" val="1775416832"/>
+        <p14:creationId xmlns:p14="http://schemas.microsoft.com/office/powerpoint/2010/main" val="1244211772"/>
       </p:ext>
     </p:extLst>
   </p:cSld>
@@ -4842,7 +4787,7 @@
           <p:cNvPr id="2" name="Title 1">
             <a:extLst>
               <a:ext uri="{FF2B5EF4-FFF2-40B4-BE49-F238E27FC236}">
-                <a16:creationId xmlns:a16="http://schemas.microsoft.com/office/drawing/2014/main" id="{1AD19D4E-19BB-898F-2F0E-52CBD3653CF6}"/>
+                <a16:creationId xmlns:a16="http://schemas.microsoft.com/office/drawing/2014/main" id="{332A2DDD-32A0-246F-4991-BD5D90DEEB07}"/>
               </a:ext>
             </a:extLst>
           </p:cNvPr>
@@ -4860,7 +4805,7 @@
           <a:p>
             <a:r>
               <a:rPr lang="en-US" dirty="0"/>
-              <a:t>What to Test?</a:t>
+              <a:t>What not to test?</a:t>
             </a:r>
           </a:p>
         </p:txBody>
@@ -4870,7 +4815,7 @@
           <p:cNvPr id="3" name="Content Placeholder 2">
             <a:extLst>
               <a:ext uri="{FF2B5EF4-FFF2-40B4-BE49-F238E27FC236}">
-                <a16:creationId xmlns:a16="http://schemas.microsoft.com/office/drawing/2014/main" id="{12FB0DB4-3ACB-4C0B-7A7A-355B03F30EFA}"/>
+                <a16:creationId xmlns:a16="http://schemas.microsoft.com/office/drawing/2014/main" id="{70083FB4-7B5D-957B-8000-A07DCEFD95A4}"/>
               </a:ext>
             </a:extLst>
           </p:cNvPr>
@@ -4887,34 +4832,38 @@
           <a:lstStyle/>
           <a:p>
             <a:r>
-              <a:rPr lang="en-US" dirty="0"/>
-              <a:t>Test component renders</a:t>
-            </a:r>
-          </a:p>
-          <a:p>
-            <a:r>
-              <a:rPr lang="en-US" dirty="0"/>
-              <a:t>Test component renders with props</a:t>
-            </a:r>
-          </a:p>
-          <a:p>
-            <a:r>
-              <a:rPr lang="en-US" dirty="0"/>
-              <a:t>Test component renders in different states</a:t>
-            </a:r>
-          </a:p>
-          <a:p>
-            <a:r>
-              <a:rPr lang="en-US" dirty="0"/>
-              <a:t>Test component reacts to events..</a:t>
-            </a:r>
+              <a:rPr lang="en-US"/>
+              <a:t>Implementation </a:t>
+            </a:r>
+            <a:r>
+              <a:rPr lang="en-US" dirty="0"/>
+              <a:t>details</a:t>
+            </a:r>
+          </a:p>
+          <a:p>
+            <a:r>
+              <a:rPr lang="en-US" dirty="0"/>
+              <a:t>Third party code</a:t>
+            </a:r>
+          </a:p>
+          <a:p>
+            <a:r>
+              <a:rPr lang="en-US" dirty="0"/>
+              <a:t>Code that is not important from a user point of view...</a:t>
+            </a:r>
+          </a:p>
+          <a:p>
+            <a:endParaRPr lang="en-US" dirty="0"/>
+          </a:p>
+          <a:p>
+            <a:endParaRPr lang="en-US" dirty="0"/>
           </a:p>
         </p:txBody>
       </p:sp>
     </p:spTree>
     <p:extLst>
       <p:ext uri="{BB962C8B-B14F-4D97-AF65-F5344CB8AC3E}">
-        <p14:creationId xmlns:p14="http://schemas.microsoft.com/office/powerpoint/2010/main" val="1244211772"/>
+        <p14:creationId xmlns:p14="http://schemas.microsoft.com/office/powerpoint/2010/main" val="152213058"/>
       </p:ext>
     </p:extLst>
   </p:cSld>
@@ -5078,7 +5027,7 @@
           <p:cNvPr id="2" name="Title 1">
             <a:extLst>
               <a:ext uri="{FF2B5EF4-FFF2-40B4-BE49-F238E27FC236}">
-                <a16:creationId xmlns:a16="http://schemas.microsoft.com/office/drawing/2014/main" id="{332A2DDD-32A0-246F-4991-BD5D90DEEB07}"/>
+                <a16:creationId xmlns:a16="http://schemas.microsoft.com/office/drawing/2014/main" id="{6F2CAF08-155C-348E-2AFB-277D7E40ECA4}"/>
               </a:ext>
             </a:extLst>
           </p:cNvPr>
@@ -5095,18 +5044,22 @@
           <a:lstStyle/>
           <a:p>
             <a:r>
-              <a:rPr lang="en-US" dirty="0"/>
-              <a:t>What not to test?</a:t>
-            </a:r>
-          </a:p>
-        </p:txBody>
-      </p:sp>
-      <p:sp>
-        <p:nvSpPr>
-          <p:cNvPr id="3" name="Content Placeholder 2">
-            <a:extLst>
-              <a:ext uri="{FF2B5EF4-FFF2-40B4-BE49-F238E27FC236}">
-                <a16:creationId xmlns:a16="http://schemas.microsoft.com/office/drawing/2014/main" id="{70083FB4-7B5D-957B-8000-A07DCEFD95A4}"/>
+              <a:rPr lang="en-CA" dirty="0"/>
+              <a:t>RTL Queries</a:t>
+            </a:r>
+            <a:br>
+              <a:rPr lang="en-CA" dirty="0"/>
+            </a:br>
+            <a:endParaRPr lang="en-CA" dirty="0"/>
+          </a:p>
+        </p:txBody>
+      </p:sp>
+      <p:sp>
+        <p:nvSpPr>
+          <p:cNvPr id="5" name="Content Placeholder 4">
+            <a:extLst>
+              <a:ext uri="{FF2B5EF4-FFF2-40B4-BE49-F238E27FC236}">
+                <a16:creationId xmlns:a16="http://schemas.microsoft.com/office/drawing/2014/main" id="{C338C9DF-559A-FFB8-AB64-69CC7926098E}"/>
               </a:ext>
             </a:extLst>
           </p:cNvPr>
@@ -5117,44 +5070,74 @@
             <p:ph idx="1"/>
           </p:nvPr>
         </p:nvSpPr>
-        <p:spPr/>
-        <p:txBody>
-          <a:bodyPr/>
-          <a:lstStyle/>
-          <a:p>
-            <a:r>
-              <a:rPr lang="en-US"/>
-              <a:t>Implementation </a:t>
-            </a:r>
-            <a:r>
-              <a:rPr lang="en-US" dirty="0"/>
-              <a:t>details</a:t>
-            </a:r>
-          </a:p>
-          <a:p>
-            <a:r>
-              <a:rPr lang="en-US" dirty="0"/>
-              <a:t>Third party code</a:t>
-            </a:r>
-          </a:p>
-          <a:p>
-            <a:r>
-              <a:rPr lang="en-US" dirty="0"/>
-              <a:t>Code that is not important from a user point of view...</a:t>
-            </a:r>
-          </a:p>
-          <a:p>
-            <a:endParaRPr lang="en-US" dirty="0"/>
-          </a:p>
-          <a:p>
-            <a:endParaRPr lang="en-US" dirty="0"/>
+        <p:spPr>
+          <a:xfrm>
+            <a:off x="720000" y="1707614"/>
+            <a:ext cx="10728325" cy="4061361"/>
+          </a:xfrm>
+        </p:spPr>
+        <p:txBody>
+          <a:bodyPr>
+            <a:normAutofit/>
+          </a:bodyPr>
+          <a:lstStyle/>
+          <a:p>
+            <a:r>
+              <a:rPr lang="en-CA" dirty="0"/>
+              <a:t>RTL Queries</a:t>
+            </a:r>
+          </a:p>
+          <a:p>
+            <a:pPr lvl="1"/>
+            <a:r>
+              <a:rPr lang="en-CA" dirty="0"/>
+              <a:t>Rendering the components – render( ) method from RTL</a:t>
+            </a:r>
+          </a:p>
+          <a:p>
+            <a:pPr lvl="1"/>
+            <a:r>
+              <a:rPr lang="en-CA" dirty="0"/>
+              <a:t>Find an element rendered by the component – </a:t>
+            </a:r>
+            <a:r>
+              <a:rPr lang="en-CA" dirty="0" err="1"/>
+              <a:t>screen.getBy</a:t>
+            </a:r>
+            <a:r>
+              <a:rPr lang="en-CA" dirty="0"/>
+              <a:t>..() method from RTL</a:t>
+            </a:r>
+          </a:p>
+          <a:p>
+            <a:pPr lvl="1"/>
+            <a:r>
+              <a:rPr lang="en-CA" dirty="0"/>
+              <a:t>Assert against the element found expect(). “matcher function”</a:t>
+            </a:r>
+          </a:p>
+          <a:p>
+            <a:pPr lvl="1"/>
+            <a:endParaRPr lang="en-CA" dirty="0"/>
+          </a:p>
+          <a:p>
+            <a:r>
+              <a:rPr lang="en-CA" dirty="0"/>
+              <a:t>Queries are the methods that Testing Library provides to find elements on the page</a:t>
+            </a:r>
+          </a:p>
+          <a:p>
+            <a:pPr marL="0" indent="0">
+              <a:buNone/>
+            </a:pPr>
+            <a:endParaRPr lang="en-CA" dirty="0"/>
           </a:p>
         </p:txBody>
       </p:sp>
     </p:spTree>
     <p:extLst>
       <p:ext uri="{BB962C8B-B14F-4D97-AF65-F5344CB8AC3E}">
-        <p14:creationId xmlns:p14="http://schemas.microsoft.com/office/powerpoint/2010/main" val="152213058"/>
+        <p14:creationId xmlns:p14="http://schemas.microsoft.com/office/powerpoint/2010/main" val="190892788"/>
       </p:ext>
     </p:extLst>
   </p:cSld>
@@ -5186,7 +5169,7 @@
           <p:cNvPr id="2" name="Title 1">
             <a:extLst>
               <a:ext uri="{FF2B5EF4-FFF2-40B4-BE49-F238E27FC236}">
-                <a16:creationId xmlns:a16="http://schemas.microsoft.com/office/drawing/2014/main" id="{6F2CAF08-155C-348E-2AFB-277D7E40ECA4}"/>
+                <a16:creationId xmlns:a16="http://schemas.microsoft.com/office/drawing/2014/main" id="{CDBA2D44-6EEF-212A-8A02-596A21C07172}"/>
               </a:ext>
             </a:extLst>
           </p:cNvPr>
@@ -5203,22 +5186,18 @@
           <a:lstStyle/>
           <a:p>
             <a:r>
-              <a:rPr lang="en-CA" dirty="0"/>
-              <a:t>RTL Queries</a:t>
-            </a:r>
-            <a:br>
-              <a:rPr lang="en-CA" dirty="0"/>
-            </a:br>
-            <a:endParaRPr lang="en-CA" dirty="0"/>
-          </a:p>
-        </p:txBody>
-      </p:sp>
-      <p:sp>
-        <p:nvSpPr>
-          <p:cNvPr id="5" name="Content Placeholder 4">
-            <a:extLst>
-              <a:ext uri="{FF2B5EF4-FFF2-40B4-BE49-F238E27FC236}">
-                <a16:creationId xmlns:a16="http://schemas.microsoft.com/office/drawing/2014/main" id="{C338C9DF-559A-FFB8-AB64-69CC7926098E}"/>
+              <a:rPr lang="en-US" dirty="0"/>
+              <a:t>Assertions</a:t>
+            </a:r>
+          </a:p>
+        </p:txBody>
+      </p:sp>
+      <p:sp>
+        <p:nvSpPr>
+          <p:cNvPr id="3" name="Content Placeholder 2">
+            <a:extLst>
+              <a:ext uri="{FF2B5EF4-FFF2-40B4-BE49-F238E27FC236}">
+                <a16:creationId xmlns:a16="http://schemas.microsoft.com/office/drawing/2014/main" id="{DDFC7244-40D4-F5DD-6A45-7ECF0BE35734}"/>
               </a:ext>
             </a:extLst>
           </p:cNvPr>
@@ -5229,74 +5208,90 @@
             <p:ph idx="1"/>
           </p:nvPr>
         </p:nvSpPr>
-        <p:spPr>
-          <a:xfrm>
-            <a:off x="720000" y="1707614"/>
-            <a:ext cx="10728325" cy="4061361"/>
-          </a:xfrm>
-        </p:spPr>
+        <p:spPr/>
         <p:txBody>
           <a:bodyPr>
             <a:normAutofit/>
           </a:bodyPr>
           <a:lstStyle/>
           <a:p>
-            <a:r>
-              <a:rPr lang="en-CA" dirty="0"/>
-              <a:t>RTL Queries</a:t>
-            </a:r>
-          </a:p>
-          <a:p>
-            <a:pPr lvl="1"/>
-            <a:r>
-              <a:rPr lang="en-CA" dirty="0"/>
-              <a:t>Rendering the components – render( ) method from RTL</a:t>
-            </a:r>
-          </a:p>
-          <a:p>
-            <a:pPr lvl="1"/>
-            <a:r>
-              <a:rPr lang="en-CA" dirty="0"/>
-              <a:t>Find an element rendered by the component – </a:t>
-            </a:r>
-            <a:r>
-              <a:rPr lang="en-CA" dirty="0" err="1"/>
-              <a:t>screen.getBy</a:t>
-            </a:r>
-            <a:r>
-              <a:rPr lang="en-CA" dirty="0"/>
-              <a:t>..() method from RTL</a:t>
-            </a:r>
-          </a:p>
-          <a:p>
-            <a:pPr lvl="1"/>
-            <a:r>
-              <a:rPr lang="en-CA" dirty="0"/>
-              <a:t>Assert against the element found expect(). “matcher function”</a:t>
-            </a:r>
-          </a:p>
-          <a:p>
-            <a:pPr lvl="1"/>
-            <a:endParaRPr lang="en-CA" dirty="0"/>
-          </a:p>
-          <a:p>
-            <a:r>
-              <a:rPr lang="en-CA" dirty="0"/>
-              <a:t>Queries are the methods that Testing Library provides to find elements on the page</a:t>
-            </a:r>
-          </a:p>
-          <a:p>
             <a:pPr marL="0" indent="0">
               <a:buNone/>
             </a:pPr>
-            <a:endParaRPr lang="en-CA" dirty="0"/>
+            <a:r>
+              <a:rPr lang="en-US" dirty="0"/>
+              <a:t>When writing tests, we often need to check that values meet certain </a:t>
+            </a:r>
+            <a:r>
+              <a:rPr lang="en-US" dirty="0" err="1"/>
+              <a:t>conditions..assertions</a:t>
+            </a:r>
+            <a:r>
+              <a:rPr lang="en-US" dirty="0"/>
+              <a:t> decide if a test passes or fails..</a:t>
+            </a:r>
+          </a:p>
+          <a:p>
+            <a:pPr marL="0" indent="0">
+              <a:buNone/>
+            </a:pPr>
+            <a:endParaRPr lang="en-US" dirty="0"/>
+          </a:p>
+          <a:p>
+            <a:pPr marL="0" indent="0">
+              <a:buNone/>
+            </a:pPr>
+            <a:r>
+              <a:rPr lang="en-US" dirty="0"/>
+              <a:t> expect()... </a:t>
+            </a:r>
+            <a:r>
+              <a:rPr lang="en-US" dirty="0" err="1"/>
+              <a:t>Asertion</a:t>
+            </a:r>
+            <a:r>
+              <a:rPr lang="en-US" dirty="0"/>
+              <a:t>:</a:t>
+            </a:r>
+          </a:p>
+          <a:p>
+            <a:pPr marL="0" indent="0">
+              <a:buNone/>
+            </a:pPr>
+            <a:r>
+              <a:rPr lang="en-US" dirty="0"/>
+              <a:t>            Matcher functions: the functions used to implement the assertion..</a:t>
+            </a:r>
+          </a:p>
+          <a:p>
+            <a:pPr marL="0" indent="0">
+              <a:buNone/>
+            </a:pPr>
+            <a:endParaRPr lang="en-US" dirty="0"/>
+          </a:p>
+          <a:p>
+            <a:pPr marL="0" indent="0">
+              <a:buNone/>
+            </a:pPr>
+            <a:r>
+              <a:rPr lang="en-US" dirty="0"/>
+              <a:t> expect("hello").</a:t>
+            </a:r>
+            <a:r>
+              <a:rPr lang="en-US" dirty="0" err="1"/>
+              <a:t>toBeInTheDocument</a:t>
+            </a:r>
+            <a:r>
+              <a:rPr lang="en-US" dirty="0"/>
+              <a:t>(); //pass if document contains string "hello" and fails otherwise!</a:t>
+            </a:r>
           </a:p>
         </p:txBody>
       </p:sp>
     </p:spTree>
     <p:extLst>
       <p:ext uri="{BB962C8B-B14F-4D97-AF65-F5344CB8AC3E}">
-        <p14:creationId xmlns:p14="http://schemas.microsoft.com/office/powerpoint/2010/main" val="190892788"/>
+        <p14:creationId xmlns:p14="http://schemas.microsoft.com/office/powerpoint/2010/main" val="1775416832"/>
       </p:ext>
     </p:extLst>
   </p:cSld>
@@ -11076,15 +11071,6 @@
 </file>
 
 <file path=customXml/item1.xml><?xml version="1.0" encoding="utf-8"?>
-<?mso-contentType ?>
-<FormTemplates xmlns="http://schemas.microsoft.com/sharepoint/v3/contenttype/forms">
-  <Display>DocumentLibraryForm</Display>
-  <Edit>DocumentLibraryForm</Edit>
-  <New>DocumentLibraryForm</New>
-</FormTemplates>
-</file>
-
-<file path=customXml/item2.xml><?xml version="1.0" encoding="utf-8"?>
 <ct:contentTypeSchema xmlns:ct="http://schemas.microsoft.com/office/2006/metadata/contentType" xmlns:ma="http://schemas.microsoft.com/office/2006/metadata/properties/metaAttributes" ct:_="" ma:_="" ma:contentTypeName="Document" ma:contentTypeID="0x010100BBFA29CD42548345BF7AD8289B649807" ma:contentTypeVersion="18" ma:contentTypeDescription="Create a new document." ma:contentTypeScope="" ma:versionID="f0ffc5ce741520f6cb9e6e87bb28d6b3">
   <xsd:schema xmlns:xsd="http://www.w3.org/2001/XMLSchema" xmlns:xs="http://www.w3.org/2001/XMLSchema" xmlns:p="http://schemas.microsoft.com/office/2006/metadata/properties" xmlns:ns3="044ca11b-8123-43f4-bb6d-87b29a109dcd" xmlns:ns4="3411811a-9679-404d-9a25-72d18bdd7fe0" targetNamespace="http://schemas.microsoft.com/office/2006/metadata/properties" ma:root="true" ma:fieldsID="2a5393160e2f31b3098ec9594008d65f" ns3:_="" ns4:_="">
     <xsd:import namespace="044ca11b-8123-43f4-bb6d-87b29a109dcd"/>
@@ -11337,7 +11323,7 @@
 </ct:contentTypeSchema>
 </file>
 
-<file path=customXml/item3.xml><?xml version="1.0" encoding="utf-8"?>
+<file path=customXml/item2.xml><?xml version="1.0" encoding="utf-8"?>
 <p:properties xmlns:p="http://schemas.microsoft.com/office/2006/metadata/properties" xmlns:xsi="http://www.w3.org/2001/XMLSchema-instance" xmlns:pc="http://schemas.microsoft.com/office/infopath/2007/PartnerControls">
   <documentManagement>
     <_activity xmlns="3411811a-9679-404d-9a25-72d18bdd7fe0" xsi:nil="true"/>
@@ -11345,15 +11331,16 @@
 </p:properties>
 </file>
 
-<file path=customXml/itemProps1.xml><?xml version="1.0" encoding="utf-8"?>
-<ds:datastoreItem xmlns:ds="http://schemas.openxmlformats.org/officeDocument/2006/customXml" ds:itemID="{D6ECFDA5-7D59-48AB-8F8A-5B77C3955619}">
-  <ds:schemaRefs>
-    <ds:schemaRef ds:uri="http://schemas.microsoft.com/sharepoint/v3/contenttype/forms"/>
-  </ds:schemaRefs>
-</ds:datastoreItem>
+<file path=customXml/item3.xml><?xml version="1.0" encoding="utf-8"?>
+<?mso-contentType ?>
+<FormTemplates xmlns="http://schemas.microsoft.com/sharepoint/v3/contenttype/forms">
+  <Display>DocumentLibraryForm</Display>
+  <Edit>DocumentLibraryForm</Edit>
+  <New>DocumentLibraryForm</New>
+</FormTemplates>
 </file>
 
-<file path=customXml/itemProps2.xml><?xml version="1.0" encoding="utf-8"?>
+<file path=customXml/itemProps1.xml><?xml version="1.0" encoding="utf-8"?>
 <ds:datastoreItem xmlns:ds="http://schemas.openxmlformats.org/officeDocument/2006/customXml" ds:itemID="{A17F18D6-5B4A-4730-A4EA-C353BA3651C8}">
   <ds:schemaRefs>
     <ds:schemaRef ds:uri="http://schemas.microsoft.com/office/2006/metadata/contentType"/>
@@ -11372,7 +11359,7 @@
 </ds:datastoreItem>
 </file>
 
-<file path=customXml/itemProps3.xml><?xml version="1.0" encoding="utf-8"?>
+<file path=customXml/itemProps2.xml><?xml version="1.0" encoding="utf-8"?>
 <ds:datastoreItem xmlns:ds="http://schemas.openxmlformats.org/officeDocument/2006/customXml" ds:itemID="{80CD16DC-3AB8-44D2-966A-AF0644008F4E}">
   <ds:schemaRefs>
     <ds:schemaRef ds:uri="http://schemas.microsoft.com/office/2006/documentManagement/types"/>
@@ -11387,4 +11374,12 @@
     <ds:schemaRef ds:uri="3411811a-9679-404d-9a25-72d18bdd7fe0"/>
   </ds:schemaRefs>
 </ds:datastoreItem>
+</file>
+
+<file path=customXml/itemProps3.xml><?xml version="1.0" encoding="utf-8"?>
+<ds:datastoreItem xmlns:ds="http://schemas.openxmlformats.org/officeDocument/2006/customXml" ds:itemID="{D6ECFDA5-7D59-48AB-8F8A-5B77C3955619}">
+  <ds:schemaRefs>
+    <ds:schemaRef ds:uri="http://schemas.microsoft.com/sharepoint/v3/contenttype/forms"/>
+  </ds:schemaRefs>
+</ds:datastoreItem>
 </file>
--- a/JavaScript/Week13/Week13.pptx
+++ b/JavaScript/Week13/Week13.pptx
@@ -313,7 +313,7 @@
           <a:p>
             <a:fld id="{2395C5C9-164C-46B3-A87E-7660D39D3106}" type="datetime2">
               <a:rPr lang="en-US" smtClean="0"/>
-              <a:t>Wednesday, July 24, 2024</a:t>
+              <a:t>Tuesday, July 30, 2024</a:t>
             </a:fld>
             <a:endParaRPr lang="en-US" dirty="0"/>
           </a:p>
@@ -516,7 +516,7 @@
           <a:p>
             <a:fld id="{5B75179A-1E2B-41AB-B400-4F1B4022FAEE}" type="datetime2">
               <a:rPr lang="en-US" smtClean="0"/>
-              <a:t>Wednesday, July 24, 2024</a:t>
+              <a:t>Tuesday, July 30, 2024</a:t>
             </a:fld>
             <a:endParaRPr lang="en-US"/>
           </a:p>
@@ -727,7 +727,7 @@
           <a:p>
             <a:fld id="{05681D0F-6595-4F14-8EF3-954CD87C797B}" type="datetime2">
               <a:rPr lang="en-US" smtClean="0"/>
-              <a:t>Wednesday, July 24, 2024</a:t>
+              <a:t>Tuesday, July 30, 2024</a:t>
             </a:fld>
             <a:endParaRPr lang="en-US"/>
           </a:p>
@@ -928,7 +928,7 @@
           <a:p>
             <a:fld id="{4DDCFF8A-AAF8-4A12-8A91-9CA0EAF6CBB9}" type="datetime2">
               <a:rPr lang="en-US" smtClean="0"/>
-              <a:t>Wednesday, July 24, 2024</a:t>
+              <a:t>Tuesday, July 30, 2024</a:t>
             </a:fld>
             <a:endParaRPr lang="en-US" dirty="0"/>
           </a:p>
@@ -1208,7 +1208,7 @@
           <a:p>
             <a:fld id="{ABCC25C3-021A-4B0B-8F70-0C181FE1CF45}" type="datetime2">
               <a:rPr lang="en-US" smtClean="0"/>
-              <a:t>Wednesday, July 24, 2024</a:t>
+              <a:t>Tuesday, July 30, 2024</a:t>
             </a:fld>
             <a:endParaRPr lang="en-US"/>
           </a:p>
@@ -1478,7 +1478,7 @@
           <a:p>
             <a:fld id="{0C23D88D-8CEC-4ED9-A53B-5596187D9A16}" type="datetime2">
               <a:rPr lang="en-US" smtClean="0"/>
-              <a:t>Wednesday, July 24, 2024</a:t>
+              <a:t>Tuesday, July 30, 2024</a:t>
             </a:fld>
             <a:endParaRPr lang="en-US"/>
           </a:p>
@@ -1893,7 +1893,7 @@
           <a:p>
             <a:fld id="{D2CCD382-DFDA-4722-A27A-59C21AD112F2}" type="datetime2">
               <a:rPr lang="en-US" smtClean="0"/>
-              <a:t>Wednesday, July 24, 2024</a:t>
+              <a:t>Tuesday, July 30, 2024</a:t>
             </a:fld>
             <a:endParaRPr lang="en-US"/>
           </a:p>
@@ -2037,7 +2037,7 @@
           <a:p>
             <a:fld id="{22F2A30D-1C09-413F-AAB1-38F366000715}" type="datetime2">
               <a:rPr lang="en-US" smtClean="0"/>
-              <a:t>Wednesday, July 24, 2024</a:t>
+              <a:t>Tuesday, July 30, 2024</a:t>
             </a:fld>
             <a:endParaRPr lang="en-US"/>
           </a:p>
@@ -2153,7 +2153,7 @@
           <a:p>
             <a:fld id="{6DB82B9C-D65E-4F64-95C3-B10F3B00F0D9}" type="datetime2">
               <a:rPr lang="en-US" smtClean="0"/>
-              <a:t>Wednesday, July 24, 2024</a:t>
+              <a:t>Tuesday, July 30, 2024</a:t>
             </a:fld>
             <a:endParaRPr lang="en-US"/>
           </a:p>
@@ -2467,7 +2467,7 @@
           <a:p>
             <a:fld id="{B7F5FDCC-6AAC-4A08-B9E0-3793AB5E64C3}" type="datetime2">
               <a:rPr lang="en-US" smtClean="0"/>
-              <a:t>Wednesday, July 24, 2024</a:t>
+              <a:t>Tuesday, July 30, 2024</a:t>
             </a:fld>
             <a:endParaRPr lang="en-US"/>
           </a:p>
@@ -2758,7 +2758,7 @@
           <a:p>
             <a:fld id="{349FE94D-439C-40F1-900E-BC07940E3988}" type="datetime2">
               <a:rPr lang="en-US" smtClean="0"/>
-              <a:t>Wednesday, July 24, 2024</a:t>
+              <a:t>Tuesday, July 30, 2024</a:t>
             </a:fld>
             <a:endParaRPr lang="en-US"/>
           </a:p>
@@ -3002,7 +3002,7 @@
           <a:p>
             <a:fld id="{8DEA2CF1-0EB2-4673-802D-3371233E4A77}" type="datetime2">
               <a:rPr lang="en-US" smtClean="0"/>
-              <a:t>Wednesday, July 24, 2024</a:t>
+              <a:t>Tuesday, July 30, 2024</a:t>
             </a:fld>
             <a:endParaRPr lang="en-US" dirty="0"/>
           </a:p>
@@ -9750,7 +9750,15 @@
           <a:p>
             <a:r>
               <a:rPr lang="en-CA" dirty="0"/>
-              <a:t>Software has to response to such interactions</a:t>
+              <a:t>Software has </a:t>
+            </a:r>
+            <a:r>
+              <a:rPr lang="en-CA"/>
+              <a:t>to respond </a:t>
+            </a:r>
+            <a:r>
+              <a:rPr lang="en-CA" dirty="0"/>
+              <a:t>to such interactions</a:t>
             </a:r>
           </a:p>
           <a:p>
@@ -11071,6 +11079,23 @@
 </file>
 
 <file path=customXml/item1.xml><?xml version="1.0" encoding="utf-8"?>
+<p:properties xmlns:p="http://schemas.microsoft.com/office/2006/metadata/properties" xmlns:xsi="http://www.w3.org/2001/XMLSchema-instance" xmlns:pc="http://schemas.microsoft.com/office/infopath/2007/PartnerControls">
+  <documentManagement>
+    <_activity xmlns="3411811a-9679-404d-9a25-72d18bdd7fe0" xsi:nil="true"/>
+  </documentManagement>
+</p:properties>
+</file>
+
+<file path=customXml/item2.xml><?xml version="1.0" encoding="utf-8"?>
+<?mso-contentType ?>
+<FormTemplates xmlns="http://schemas.microsoft.com/sharepoint/v3/contenttype/forms">
+  <Display>DocumentLibraryForm</Display>
+  <Edit>DocumentLibraryForm</Edit>
+  <New>DocumentLibraryForm</New>
+</FormTemplates>
+</file>
+
+<file path=customXml/item3.xml><?xml version="1.0" encoding="utf-8"?>
 <ct:contentTypeSchema xmlns:ct="http://schemas.microsoft.com/office/2006/metadata/contentType" xmlns:ma="http://schemas.microsoft.com/office/2006/metadata/properties/metaAttributes" ct:_="" ma:_="" ma:contentTypeName="Document" ma:contentTypeID="0x010100BBFA29CD42548345BF7AD8289B649807" ma:contentTypeVersion="18" ma:contentTypeDescription="Create a new document." ma:contentTypeScope="" ma:versionID="f0ffc5ce741520f6cb9e6e87bb28d6b3">
   <xsd:schema xmlns:xsd="http://www.w3.org/2001/XMLSchema" xmlns:xs="http://www.w3.org/2001/XMLSchema" xmlns:p="http://schemas.microsoft.com/office/2006/metadata/properties" xmlns:ns3="044ca11b-8123-43f4-bb6d-87b29a109dcd" xmlns:ns4="3411811a-9679-404d-9a25-72d18bdd7fe0" targetNamespace="http://schemas.microsoft.com/office/2006/metadata/properties" ma:root="true" ma:fieldsID="2a5393160e2f31b3098ec9594008d65f" ns3:_="" ns4:_="">
     <xsd:import namespace="044ca11b-8123-43f4-bb6d-87b29a109dcd"/>
@@ -11323,24 +11348,32 @@
 </ct:contentTypeSchema>
 </file>
 
-<file path=customXml/item2.xml><?xml version="1.0" encoding="utf-8"?>
-<p:properties xmlns:p="http://schemas.microsoft.com/office/2006/metadata/properties" xmlns:xsi="http://www.w3.org/2001/XMLSchema-instance" xmlns:pc="http://schemas.microsoft.com/office/infopath/2007/PartnerControls">
-  <documentManagement>
-    <_activity xmlns="3411811a-9679-404d-9a25-72d18bdd7fe0" xsi:nil="true"/>
-  </documentManagement>
-</p:properties>
+<file path=customXml/itemProps1.xml><?xml version="1.0" encoding="utf-8"?>
+<ds:datastoreItem xmlns:ds="http://schemas.openxmlformats.org/officeDocument/2006/customXml" ds:itemID="{80CD16DC-3AB8-44D2-966A-AF0644008F4E}">
+  <ds:schemaRefs>
+    <ds:schemaRef ds:uri="http://schemas.microsoft.com/office/2006/documentManagement/types"/>
+    <ds:schemaRef ds:uri="http://www.w3.org/XML/1998/namespace"/>
+    <ds:schemaRef ds:uri="044ca11b-8123-43f4-bb6d-87b29a109dcd"/>
+    <ds:schemaRef ds:uri="http://schemas.microsoft.com/office/2006/metadata/properties"/>
+    <ds:schemaRef ds:uri="http://schemas.openxmlformats.org/package/2006/metadata/core-properties"/>
+    <ds:schemaRef ds:uri="http://purl.org/dc/dcmitype/"/>
+    <ds:schemaRef ds:uri="http://purl.org/dc/elements/1.1/"/>
+    <ds:schemaRef ds:uri="http://purl.org/dc/terms/"/>
+    <ds:schemaRef ds:uri="http://schemas.microsoft.com/office/infopath/2007/PartnerControls"/>
+    <ds:schemaRef ds:uri="3411811a-9679-404d-9a25-72d18bdd7fe0"/>
+  </ds:schemaRefs>
+</ds:datastoreItem>
 </file>
 
-<file path=customXml/item3.xml><?xml version="1.0" encoding="utf-8"?>
-<?mso-contentType ?>
-<FormTemplates xmlns="http://schemas.microsoft.com/sharepoint/v3/contenttype/forms">
-  <Display>DocumentLibraryForm</Display>
-  <Edit>DocumentLibraryForm</Edit>
-  <New>DocumentLibraryForm</New>
-</FormTemplates>
+<file path=customXml/itemProps2.xml><?xml version="1.0" encoding="utf-8"?>
+<ds:datastoreItem xmlns:ds="http://schemas.openxmlformats.org/officeDocument/2006/customXml" ds:itemID="{D6ECFDA5-7D59-48AB-8F8A-5B77C3955619}">
+  <ds:schemaRefs>
+    <ds:schemaRef ds:uri="http://schemas.microsoft.com/sharepoint/v3/contenttype/forms"/>
+  </ds:schemaRefs>
+</ds:datastoreItem>
 </file>
 
-<file path=customXml/itemProps1.xml><?xml version="1.0" encoding="utf-8"?>
+<file path=customXml/itemProps3.xml><?xml version="1.0" encoding="utf-8"?>
 <ds:datastoreItem xmlns:ds="http://schemas.openxmlformats.org/officeDocument/2006/customXml" ds:itemID="{A17F18D6-5B4A-4730-A4EA-C353BA3651C8}">
   <ds:schemaRefs>
     <ds:schemaRef ds:uri="http://schemas.microsoft.com/office/2006/metadata/contentType"/>
@@ -11357,29 +11390,4 @@
     <ds:schemaRef ds:uri="http://schemas.microsoft.com/internal/obd"/>
   </ds:schemaRefs>
 </ds:datastoreItem>
-</file>
-
-<file path=customXml/itemProps2.xml><?xml version="1.0" encoding="utf-8"?>
-<ds:datastoreItem xmlns:ds="http://schemas.openxmlformats.org/officeDocument/2006/customXml" ds:itemID="{80CD16DC-3AB8-44D2-966A-AF0644008F4E}">
-  <ds:schemaRefs>
-    <ds:schemaRef ds:uri="http://schemas.microsoft.com/office/2006/documentManagement/types"/>
-    <ds:schemaRef ds:uri="http://www.w3.org/XML/1998/namespace"/>
-    <ds:schemaRef ds:uri="044ca11b-8123-43f4-bb6d-87b29a109dcd"/>
-    <ds:schemaRef ds:uri="http://schemas.microsoft.com/office/2006/metadata/properties"/>
-    <ds:schemaRef ds:uri="http://schemas.openxmlformats.org/package/2006/metadata/core-properties"/>
-    <ds:schemaRef ds:uri="http://purl.org/dc/dcmitype/"/>
-    <ds:schemaRef ds:uri="http://purl.org/dc/elements/1.1/"/>
-    <ds:schemaRef ds:uri="http://purl.org/dc/terms/"/>
-    <ds:schemaRef ds:uri="http://schemas.microsoft.com/office/infopath/2007/PartnerControls"/>
-    <ds:schemaRef ds:uri="3411811a-9679-404d-9a25-72d18bdd7fe0"/>
-  </ds:schemaRefs>
-</ds:datastoreItem>
-</file>
-
-<file path=customXml/itemProps3.xml><?xml version="1.0" encoding="utf-8"?>
-<ds:datastoreItem xmlns:ds="http://schemas.openxmlformats.org/officeDocument/2006/customXml" ds:itemID="{D6ECFDA5-7D59-48AB-8F8A-5B77C3955619}">
-  <ds:schemaRefs>
-    <ds:schemaRef ds:uri="http://schemas.microsoft.com/sharepoint/v3/contenttype/forms"/>
-  </ds:schemaRefs>
-</ds:datastoreItem>
 </file>